--- a/PosterTemplate_국방색순대국밥.pptx
+++ b/PosterTemplate_국방색순대국밥.pptx
@@ -5688,7 +5688,7 @@
           <a:p>
             <a:fld id="{D730801B-A331-40FC-8BE7-824CC7F1F440}" type="datetimeFigureOut">
               <a:rPr kumimoji="1" lang="ja-JP" altLang="en-US" smtClean="0"/>
-              <a:t>2020/11/28</a:t>
+              <a:t>2020/11/29</a:t>
             </a:fld>
             <a:endParaRPr kumimoji="1" lang="ja-JP" altLang="en-US"/>
           </a:p>
@@ -6166,7 +6166,7 @@
           <a:p>
             <a:fld id="{E07B14B2-29F8-49BA-81A3-89EC41C11E22}" type="datetimeFigureOut">
               <a:rPr lang="en-US" smtClean="0"/>
-              <a:t>11/28/2020</a:t>
+              <a:t>11/29/2020</a:t>
             </a:fld>
             <a:endParaRPr lang="en-US"/>
           </a:p>
@@ -6334,7 +6334,7 @@
           <a:p>
             <a:fld id="{E07B14B2-29F8-49BA-81A3-89EC41C11E22}" type="datetimeFigureOut">
               <a:rPr lang="en-US" smtClean="0"/>
-              <a:t>11/28/2020</a:t>
+              <a:t>11/29/2020</a:t>
             </a:fld>
             <a:endParaRPr lang="en-US"/>
           </a:p>
@@ -6512,7 +6512,7 @@
           <a:p>
             <a:fld id="{E07B14B2-29F8-49BA-81A3-89EC41C11E22}" type="datetimeFigureOut">
               <a:rPr lang="en-US" smtClean="0"/>
-              <a:t>11/28/2020</a:t>
+              <a:t>11/29/2020</a:t>
             </a:fld>
             <a:endParaRPr lang="en-US"/>
           </a:p>
@@ -6680,7 +6680,7 @@
           <a:p>
             <a:fld id="{E07B14B2-29F8-49BA-81A3-89EC41C11E22}" type="datetimeFigureOut">
               <a:rPr lang="en-US" smtClean="0"/>
-              <a:t>11/28/2020</a:t>
+              <a:t>11/29/2020</a:t>
             </a:fld>
             <a:endParaRPr lang="en-US"/>
           </a:p>
@@ -6925,7 +6925,7 @@
           <a:p>
             <a:fld id="{E07B14B2-29F8-49BA-81A3-89EC41C11E22}" type="datetimeFigureOut">
               <a:rPr lang="en-US" smtClean="0"/>
-              <a:t>11/28/2020</a:t>
+              <a:t>11/29/2020</a:t>
             </a:fld>
             <a:endParaRPr lang="en-US"/>
           </a:p>
@@ -7210,7 +7210,7 @@
           <a:p>
             <a:fld id="{E07B14B2-29F8-49BA-81A3-89EC41C11E22}" type="datetimeFigureOut">
               <a:rPr lang="en-US" smtClean="0"/>
-              <a:t>11/28/2020</a:t>
+              <a:t>11/29/2020</a:t>
             </a:fld>
             <a:endParaRPr lang="en-US"/>
           </a:p>
@@ -7629,7 +7629,7 @@
           <a:p>
             <a:fld id="{E07B14B2-29F8-49BA-81A3-89EC41C11E22}" type="datetimeFigureOut">
               <a:rPr lang="en-US" smtClean="0"/>
-              <a:t>11/28/2020</a:t>
+              <a:t>11/29/2020</a:t>
             </a:fld>
             <a:endParaRPr lang="en-US"/>
           </a:p>
@@ -7746,7 +7746,7 @@
           <a:p>
             <a:fld id="{E07B14B2-29F8-49BA-81A3-89EC41C11E22}" type="datetimeFigureOut">
               <a:rPr lang="en-US" smtClean="0"/>
-              <a:t>11/28/2020</a:t>
+              <a:t>11/29/2020</a:t>
             </a:fld>
             <a:endParaRPr lang="en-US"/>
           </a:p>
@@ -7841,7 +7841,7 @@
           <a:p>
             <a:fld id="{E07B14B2-29F8-49BA-81A3-89EC41C11E22}" type="datetimeFigureOut">
               <a:rPr lang="en-US" smtClean="0"/>
-              <a:t>11/28/2020</a:t>
+              <a:t>11/29/2020</a:t>
             </a:fld>
             <a:endParaRPr lang="en-US"/>
           </a:p>
@@ -8116,7 +8116,7 @@
           <a:p>
             <a:fld id="{E07B14B2-29F8-49BA-81A3-89EC41C11E22}" type="datetimeFigureOut">
               <a:rPr lang="en-US" smtClean="0"/>
-              <a:t>11/28/2020</a:t>
+              <a:t>11/29/2020</a:t>
             </a:fld>
             <a:endParaRPr lang="en-US"/>
           </a:p>
@@ -8368,7 +8368,7 @@
           <a:p>
             <a:fld id="{E07B14B2-29F8-49BA-81A3-89EC41C11E22}" type="datetimeFigureOut">
               <a:rPr lang="en-US" smtClean="0"/>
-              <a:t>11/28/2020</a:t>
+              <a:t>11/29/2020</a:t>
             </a:fld>
             <a:endParaRPr lang="en-US"/>
           </a:p>
@@ -8579,7 +8579,7 @@
           <a:p>
             <a:fld id="{E07B14B2-29F8-49BA-81A3-89EC41C11E22}" type="datetimeFigureOut">
               <a:rPr lang="en-US" smtClean="0"/>
-              <a:t>11/28/2020</a:t>
+              <a:t>11/29/2020</a:t>
             </a:fld>
             <a:endParaRPr lang="en-US"/>
           </a:p>
@@ -9661,781 +9661,6 @@
           </a:prstGeom>
         </p:spPr>
       </p:pic>
-      <p:grpSp>
-        <p:nvGrpSpPr>
-          <p:cNvPr id="163" name="グループ化 162">
-            <a:extLst>
-              <a:ext uri="{FF2B5EF4-FFF2-40B4-BE49-F238E27FC236}">
-                <a16:creationId xmlns:a16="http://schemas.microsoft.com/office/drawing/2014/main" id="{15A766DC-2E8E-4993-BDA4-9E3A88A789DA}"/>
-              </a:ext>
-            </a:extLst>
-          </p:cNvPr>
-          <p:cNvGrpSpPr/>
-          <p:nvPr/>
-        </p:nvGrpSpPr>
-        <p:grpSpPr>
-          <a:xfrm>
-            <a:off x="32508746" y="-5807024"/>
-            <a:ext cx="16455308" cy="4770040"/>
-            <a:chOff x="27992784" y="25318791"/>
-            <a:chExt cx="13837798" cy="4011280"/>
-          </a:xfrm>
-        </p:grpSpPr>
-        <p:grpSp>
-          <p:nvGrpSpPr>
-            <p:cNvPr id="164" name="グループ化 163">
-              <a:extLst>
-                <a:ext uri="{FF2B5EF4-FFF2-40B4-BE49-F238E27FC236}">
-                  <a16:creationId xmlns:a16="http://schemas.microsoft.com/office/drawing/2014/main" id="{3EDE2977-E65F-4E5D-96C5-1B6361281C76}"/>
-                </a:ext>
-              </a:extLst>
-            </p:cNvPr>
-            <p:cNvGrpSpPr/>
-            <p:nvPr/>
-          </p:nvGrpSpPr>
-          <p:grpSpPr>
-            <a:xfrm>
-              <a:off x="28180815" y="26049876"/>
-              <a:ext cx="13393470" cy="2513007"/>
-              <a:chOff x="1153480" y="4472004"/>
-              <a:chExt cx="9885798" cy="1854865"/>
-            </a:xfrm>
-          </p:grpSpPr>
-          <p:pic>
-            <p:nvPicPr>
-              <p:cNvPr id="172" name="図 171">
-                <a:extLst>
-                  <a:ext uri="{FF2B5EF4-FFF2-40B4-BE49-F238E27FC236}">
-                    <a16:creationId xmlns:a16="http://schemas.microsoft.com/office/drawing/2014/main" id="{1608F0DD-6169-4E55-9FF6-6BA90076ABBE}"/>
-                  </a:ext>
-                </a:extLst>
-              </p:cNvPr>
-              <p:cNvPicPr>
-                <a:picLocks noChangeAspect="1"/>
-              </p:cNvPicPr>
-              <p:nvPr/>
-            </p:nvPicPr>
-            <p:blipFill>
-              <a:blip r:embed="rId3">
-                <a:extLst>
-                  <a:ext uri="{28A0092B-C50C-407E-A947-70E740481C1C}">
-                    <a14:useLocalDpi xmlns:a14="http://schemas.microsoft.com/office/drawing/2010/main" val="0"/>
-                  </a:ext>
-                </a:extLst>
-              </a:blip>
-              <a:stretch>
-                <a:fillRect/>
-              </a:stretch>
-            </p:blipFill>
-            <p:spPr>
-              <a:xfrm>
-                <a:off x="1153480" y="4472006"/>
-                <a:ext cx="2767446" cy="1558995"/>
-              </a:xfrm>
-              <a:prstGeom prst="rect">
-                <a:avLst/>
-              </a:prstGeom>
-            </p:spPr>
-          </p:pic>
-          <p:pic>
-            <p:nvPicPr>
-              <p:cNvPr id="173" name="図 172">
-                <a:extLst>
-                  <a:ext uri="{FF2B5EF4-FFF2-40B4-BE49-F238E27FC236}">
-                    <a16:creationId xmlns:a16="http://schemas.microsoft.com/office/drawing/2014/main" id="{24899645-FFC2-4F2B-83D2-281A6A7679E7}"/>
-                  </a:ext>
-                </a:extLst>
-              </p:cNvPr>
-              <p:cNvPicPr>
-                <a:picLocks noChangeAspect="1"/>
-              </p:cNvPicPr>
-              <p:nvPr/>
-            </p:nvPicPr>
-            <p:blipFill>
-              <a:blip r:embed="rId4">
-                <a:extLst>
-                  <a:ext uri="{28A0092B-C50C-407E-A947-70E740481C1C}">
-                    <a14:useLocalDpi xmlns:a14="http://schemas.microsoft.com/office/drawing/2010/main" val="0"/>
-                  </a:ext>
-                </a:extLst>
-              </a:blip>
-              <a:stretch>
-                <a:fillRect/>
-              </a:stretch>
-            </p:blipFill>
-            <p:spPr>
-              <a:xfrm rot="19482531">
-                <a:off x="2704325" y="4516843"/>
-                <a:ext cx="1133475" cy="1469319"/>
-              </a:xfrm>
-              <a:prstGeom prst="rect">
-                <a:avLst/>
-              </a:prstGeom>
-            </p:spPr>
-          </p:pic>
-          <p:sp>
-            <p:nvSpPr>
-              <p:cNvPr id="174" name="直角三角形 173">
-                <a:extLst>
-                  <a:ext uri="{FF2B5EF4-FFF2-40B4-BE49-F238E27FC236}">
-                    <a16:creationId xmlns:a16="http://schemas.microsoft.com/office/drawing/2014/main" id="{B907B8AC-EEA7-4C0A-A171-F944AF60384A}"/>
-                  </a:ext>
-                </a:extLst>
-              </p:cNvPr>
-              <p:cNvSpPr/>
-              <p:nvPr/>
-            </p:nvSpPr>
-            <p:spPr>
-              <a:xfrm>
-                <a:off x="3419820" y="5698492"/>
-                <a:ext cx="456487" cy="332509"/>
-              </a:xfrm>
-              <a:prstGeom prst="rtTriangle">
-                <a:avLst/>
-              </a:prstGeom>
-              <a:scene3d>
-                <a:camera prst="orthographicFront">
-                  <a:rot lat="0" lon="10799999" rev="0"/>
-                </a:camera>
-                <a:lightRig rig="threePt" dir="t"/>
-              </a:scene3d>
-            </p:spPr>
-            <p:style>
-              <a:lnRef idx="2">
-                <a:schemeClr val="accent1">
-                  <a:shade val="50000"/>
-                </a:schemeClr>
-              </a:lnRef>
-              <a:fillRef idx="1">
-                <a:schemeClr val="accent1"/>
-              </a:fillRef>
-              <a:effectRef idx="0">
-                <a:schemeClr val="accent1"/>
-              </a:effectRef>
-              <a:fontRef idx="minor">
-                <a:schemeClr val="lt1"/>
-              </a:fontRef>
-            </p:style>
-            <p:txBody>
-              <a:bodyPr rtlCol="0" anchor="ctr"/>
-              <a:lstStyle/>
-              <a:p>
-                <a:pPr algn="ctr"/>
-                <a:endParaRPr kumimoji="1" lang="ja-JP" altLang="en-US" sz="3200"/>
-              </a:p>
-            </p:txBody>
-          </p:sp>
-          <p:sp>
-            <p:nvSpPr>
-              <p:cNvPr id="175" name="正方形/長方形 174">
-                <a:extLst>
-                  <a:ext uri="{FF2B5EF4-FFF2-40B4-BE49-F238E27FC236}">
-                    <a16:creationId xmlns:a16="http://schemas.microsoft.com/office/drawing/2014/main" id="{0112E8EF-5A18-4C8A-8F44-766158EA0DFE}"/>
-                  </a:ext>
-                </a:extLst>
-              </p:cNvPr>
-              <p:cNvSpPr/>
-              <p:nvPr/>
-            </p:nvSpPr>
-            <p:spPr>
-              <a:xfrm>
-                <a:off x="4717199" y="4472006"/>
-                <a:ext cx="2767446" cy="1558995"/>
-              </a:xfrm>
-              <a:prstGeom prst="rect">
-                <a:avLst/>
-              </a:prstGeom>
-              <a:solidFill>
-                <a:schemeClr val="tx1"/>
-              </a:solidFill>
-              <a:ln>
-                <a:solidFill>
-                  <a:schemeClr val="tx1"/>
-                </a:solidFill>
-              </a:ln>
-            </p:spPr>
-            <p:style>
-              <a:lnRef idx="2">
-                <a:schemeClr val="accent1">
-                  <a:shade val="50000"/>
-                </a:schemeClr>
-              </a:lnRef>
-              <a:fillRef idx="1">
-                <a:schemeClr val="accent1"/>
-              </a:fillRef>
-              <a:effectRef idx="0">
-                <a:schemeClr val="accent1"/>
-              </a:effectRef>
-              <a:fontRef idx="minor">
-                <a:schemeClr val="lt1"/>
-              </a:fontRef>
-            </p:style>
-            <p:txBody>
-              <a:bodyPr rtlCol="0" anchor="ctr"/>
-              <a:lstStyle/>
-              <a:p>
-                <a:pPr algn="ctr"/>
-                <a:endParaRPr kumimoji="1" lang="ja-JP" altLang="en-US" sz="3200"/>
-              </a:p>
-            </p:txBody>
-          </p:sp>
-          <p:sp>
-            <p:nvSpPr>
-              <p:cNvPr id="176" name="正方形/長方形 175">
-                <a:extLst>
-                  <a:ext uri="{FF2B5EF4-FFF2-40B4-BE49-F238E27FC236}">
-                    <a16:creationId xmlns:a16="http://schemas.microsoft.com/office/drawing/2014/main" id="{BD777619-8B0D-4274-A9C8-3DBBCB3F754D}"/>
-                  </a:ext>
-                </a:extLst>
-              </p:cNvPr>
-              <p:cNvSpPr/>
-              <p:nvPr/>
-            </p:nvSpPr>
-            <p:spPr>
-              <a:xfrm>
-                <a:off x="8271832" y="4472004"/>
-                <a:ext cx="2767446" cy="1558995"/>
-              </a:xfrm>
-              <a:prstGeom prst="rect">
-                <a:avLst/>
-              </a:prstGeom>
-              <a:solidFill>
-                <a:schemeClr val="tx1"/>
-              </a:solidFill>
-              <a:ln>
-                <a:solidFill>
-                  <a:schemeClr val="tx1"/>
-                </a:solidFill>
-              </a:ln>
-            </p:spPr>
-            <p:style>
-              <a:lnRef idx="2">
-                <a:schemeClr val="accent1">
-                  <a:shade val="50000"/>
-                </a:schemeClr>
-              </a:lnRef>
-              <a:fillRef idx="1">
-                <a:schemeClr val="accent1"/>
-              </a:fillRef>
-              <a:effectRef idx="0">
-                <a:schemeClr val="accent1"/>
-              </a:effectRef>
-              <a:fontRef idx="minor">
-                <a:schemeClr val="lt1"/>
-              </a:fontRef>
-            </p:style>
-            <p:txBody>
-              <a:bodyPr rtlCol="0" anchor="ctr"/>
-              <a:lstStyle/>
-              <a:p>
-                <a:pPr algn="ctr"/>
-                <a:endParaRPr kumimoji="1" lang="ja-JP" altLang="en-US" sz="3200"/>
-              </a:p>
-            </p:txBody>
-          </p:sp>
-          <p:pic>
-            <p:nvPicPr>
-              <p:cNvPr id="177" name="図 176">
-                <a:extLst>
-                  <a:ext uri="{FF2B5EF4-FFF2-40B4-BE49-F238E27FC236}">
-                    <a16:creationId xmlns:a16="http://schemas.microsoft.com/office/drawing/2014/main" id="{DAAF83C3-CDE0-4C5D-AB54-9DB66CF177C8}"/>
-                  </a:ext>
-                </a:extLst>
-              </p:cNvPr>
-              <p:cNvPicPr>
-                <a:picLocks noChangeAspect="1"/>
-              </p:cNvPicPr>
-              <p:nvPr/>
-            </p:nvPicPr>
-            <p:blipFill>
-              <a:blip r:embed="rId5">
-                <a:extLst>
-                  <a:ext uri="{BEBA8EAE-BF5A-486C-A8C5-ECC9F3942E4B}">
-                    <a14:imgProps xmlns:a14="http://schemas.microsoft.com/office/drawing/2010/main">
-                      <a14:imgLayer r:embed="rId6">
-                        <a14:imgEffect>
-                          <a14:brightnessContrast bright="-50000"/>
-                        </a14:imgEffect>
-                      </a14:imgLayer>
-                    </a14:imgProps>
-                  </a:ext>
-                  <a:ext uri="{28A0092B-C50C-407E-A947-70E740481C1C}">
-                    <a14:useLocalDpi xmlns:a14="http://schemas.microsoft.com/office/drawing/2010/main" val="0"/>
-                  </a:ext>
-                </a:extLst>
-              </a:blip>
-              <a:stretch>
-                <a:fillRect/>
-              </a:stretch>
-            </p:blipFill>
-            <p:spPr>
-              <a:xfrm rot="19482531">
-                <a:off x="9822677" y="4516842"/>
-                <a:ext cx="1133475" cy="1469319"/>
-              </a:xfrm>
-              <a:prstGeom prst="rect">
-                <a:avLst/>
-              </a:prstGeom>
-            </p:spPr>
-          </p:pic>
-          <p:pic>
-            <p:nvPicPr>
-              <p:cNvPr id="178" name="図 177">
-                <a:extLst>
-                  <a:ext uri="{FF2B5EF4-FFF2-40B4-BE49-F238E27FC236}">
-                    <a16:creationId xmlns:a16="http://schemas.microsoft.com/office/drawing/2014/main" id="{4488DEE0-B27D-4978-9324-E33399B34E96}"/>
-                  </a:ext>
-                </a:extLst>
-              </p:cNvPr>
-              <p:cNvPicPr>
-                <a:picLocks noChangeAspect="1"/>
-              </p:cNvPicPr>
-              <p:nvPr/>
-            </p:nvPicPr>
-            <p:blipFill>
-              <a:blip r:embed="rId7">
-                <a:extLst>
-                  <a:ext uri="{BEBA8EAE-BF5A-486C-A8C5-ECC9F3942E4B}">
-                    <a14:imgProps xmlns:a14="http://schemas.microsoft.com/office/drawing/2010/main">
-                      <a14:imgLayer r:embed="rId6">
-                        <a14:imgEffect>
-                          <a14:brightnessContrast bright="-25000"/>
-                        </a14:imgEffect>
-                      </a14:imgLayer>
-                    </a14:imgProps>
-                  </a:ext>
-                  <a:ext uri="{28A0092B-C50C-407E-A947-70E740481C1C}">
-                    <a14:useLocalDpi xmlns:a14="http://schemas.microsoft.com/office/drawing/2010/main" val="0"/>
-                  </a:ext>
-                </a:extLst>
-              </a:blip>
-              <a:stretch>
-                <a:fillRect/>
-              </a:stretch>
-            </p:blipFill>
-            <p:spPr>
-              <a:xfrm rot="18527961">
-                <a:off x="9544873" y="4722392"/>
-                <a:ext cx="1133475" cy="1469319"/>
-              </a:xfrm>
-              <a:prstGeom prst="rect">
-                <a:avLst/>
-              </a:prstGeom>
-            </p:spPr>
-          </p:pic>
-          <p:pic>
-            <p:nvPicPr>
-              <p:cNvPr id="179" name="図 178">
-                <a:extLst>
-                  <a:ext uri="{FF2B5EF4-FFF2-40B4-BE49-F238E27FC236}">
-                    <a16:creationId xmlns:a16="http://schemas.microsoft.com/office/drawing/2014/main" id="{A022A8CC-18DC-41A5-88FE-19D08A4CE291}"/>
-                  </a:ext>
-                </a:extLst>
-              </p:cNvPr>
-              <p:cNvPicPr>
-                <a:picLocks noChangeAspect="1"/>
-              </p:cNvPicPr>
-              <p:nvPr/>
-            </p:nvPicPr>
-            <p:blipFill>
-              <a:blip r:embed="rId4">
-                <a:extLst>
-                  <a:ext uri="{28A0092B-C50C-407E-A947-70E740481C1C}">
-                    <a14:useLocalDpi xmlns:a14="http://schemas.microsoft.com/office/drawing/2010/main" val="0"/>
-                  </a:ext>
-                </a:extLst>
-              </a:blip>
-              <a:stretch>
-                <a:fillRect/>
-              </a:stretch>
-            </p:blipFill>
-            <p:spPr>
-              <a:xfrm rot="17314410">
-                <a:off x="9338248" y="5025472"/>
-                <a:ext cx="1133475" cy="1469319"/>
-              </a:xfrm>
-              <a:prstGeom prst="rect">
-                <a:avLst/>
-              </a:prstGeom>
-            </p:spPr>
-          </p:pic>
-          <p:pic>
-            <p:nvPicPr>
-              <p:cNvPr id="180" name="図 179">
-                <a:extLst>
-                  <a:ext uri="{FF2B5EF4-FFF2-40B4-BE49-F238E27FC236}">
-                    <a16:creationId xmlns:a16="http://schemas.microsoft.com/office/drawing/2014/main" id="{F90BBAFB-D3D2-4CFC-8A1F-F56C313A3CD0}"/>
-                  </a:ext>
-                </a:extLst>
-              </p:cNvPr>
-              <p:cNvPicPr>
-                <a:picLocks noChangeAspect="1"/>
-              </p:cNvPicPr>
-              <p:nvPr/>
-            </p:nvPicPr>
-            <p:blipFill>
-              <a:blip r:embed="rId4">
-                <a:extLst>
-                  <a:ext uri="{28A0092B-C50C-407E-A947-70E740481C1C}">
-                    <a14:useLocalDpi xmlns:a14="http://schemas.microsoft.com/office/drawing/2010/main" val="0"/>
-                  </a:ext>
-                </a:extLst>
-              </a:blip>
-              <a:stretch>
-                <a:fillRect/>
-              </a:stretch>
-            </p:blipFill>
-            <p:spPr>
-              <a:xfrm rot="19510776">
-                <a:off x="6263937" y="4517883"/>
-                <a:ext cx="1141649" cy="1479916"/>
-              </a:xfrm>
-              <a:prstGeom prst="rect">
-                <a:avLst/>
-              </a:prstGeom>
-            </p:spPr>
-          </p:pic>
-        </p:grpSp>
-        <p:sp>
-          <p:nvSpPr>
-            <p:cNvPr id="165" name="テキスト ボックス 164">
-              <a:extLst>
-                <a:ext uri="{FF2B5EF4-FFF2-40B4-BE49-F238E27FC236}">
-                  <a16:creationId xmlns:a16="http://schemas.microsoft.com/office/drawing/2014/main" id="{D7F5E8B1-54C4-4C82-BCD0-C7665B5D0374}"/>
-                </a:ext>
-              </a:extLst>
-            </p:cNvPr>
-            <p:cNvSpPr txBox="1"/>
-            <p:nvPr/>
-          </p:nvSpPr>
-          <p:spPr>
-            <a:xfrm>
-              <a:off x="28220910" y="28379146"/>
-              <a:ext cx="3749388" cy="491756"/>
-            </a:xfrm>
-            <a:prstGeom prst="rect">
-              <a:avLst/>
-            </a:prstGeom>
-            <a:noFill/>
-          </p:spPr>
-          <p:txBody>
-            <a:bodyPr wrap="square" rtlCol="0">
-              <a:spAutoFit/>
-            </a:bodyPr>
-            <a:lstStyle/>
-            <a:p>
-              <a:pPr algn="ctr"/>
-              <a:r>
-                <a:rPr lang="en-US" altLang="ja-JP" sz="3200" dirty="0">
-                  <a:latin typeface="Times New Roman" panose="02020603050405020304" pitchFamily="18" charset="0"/>
-                  <a:ea typeface="Cambria" panose="02040503050406030204" pitchFamily="18" charset="0"/>
-                  <a:cs typeface="Times New Roman" panose="02020603050405020304" pitchFamily="18" charset="0"/>
-                </a:rPr>
-                <a:t>Input RGB image</a:t>
-              </a:r>
-              <a:endParaRPr kumimoji="1" lang="ja-JP" altLang="en-US" sz="3200" dirty="0">
-                <a:latin typeface="Times New Roman" panose="02020603050405020304" pitchFamily="18" charset="0"/>
-                <a:cs typeface="Times New Roman" panose="02020603050405020304" pitchFamily="18" charset="0"/>
-              </a:endParaRPr>
-            </a:p>
-          </p:txBody>
-        </p:sp>
-        <p:sp>
-          <p:nvSpPr>
-            <p:cNvPr id="166" name="テキスト ボックス 165">
-              <a:extLst>
-                <a:ext uri="{FF2B5EF4-FFF2-40B4-BE49-F238E27FC236}">
-                  <a16:creationId xmlns:a16="http://schemas.microsoft.com/office/drawing/2014/main" id="{A5B6B962-7089-49F8-985D-52DD89182AD7}"/>
-                </a:ext>
-              </a:extLst>
-            </p:cNvPr>
-            <p:cNvSpPr txBox="1"/>
-            <p:nvPr/>
-          </p:nvSpPr>
-          <p:spPr>
-            <a:xfrm>
-              <a:off x="33051920" y="28470303"/>
-              <a:ext cx="3749388" cy="491756"/>
-            </a:xfrm>
-            <a:prstGeom prst="rect">
-              <a:avLst/>
-            </a:prstGeom>
-            <a:noFill/>
-          </p:spPr>
-          <p:txBody>
-            <a:bodyPr wrap="square" rtlCol="0">
-              <a:spAutoFit/>
-            </a:bodyPr>
-            <a:lstStyle/>
-            <a:p>
-              <a:pPr algn="ctr"/>
-              <a:r>
-                <a:rPr lang="en-US" altLang="ja-JP" sz="3200" dirty="0">
-                  <a:latin typeface="Times New Roman" panose="02020603050405020304" pitchFamily="18" charset="0"/>
-                  <a:ea typeface="Cambria" panose="02040503050406030204" pitchFamily="18" charset="0"/>
-                  <a:cs typeface="Times New Roman" panose="02020603050405020304" pitchFamily="18" charset="0"/>
-                </a:rPr>
-                <a:t>Extract hand</a:t>
-              </a:r>
-            </a:p>
-          </p:txBody>
-        </p:sp>
-        <p:sp>
-          <p:nvSpPr>
-            <p:cNvPr id="167" name="テキスト ボックス 166">
-              <a:extLst>
-                <a:ext uri="{FF2B5EF4-FFF2-40B4-BE49-F238E27FC236}">
-                  <a16:creationId xmlns:a16="http://schemas.microsoft.com/office/drawing/2014/main" id="{341C9AE2-5D69-4E2B-A429-0F7320B1684F}"/>
-                </a:ext>
-              </a:extLst>
-            </p:cNvPr>
-            <p:cNvSpPr txBox="1"/>
-            <p:nvPr/>
-          </p:nvSpPr>
-          <p:spPr>
-            <a:xfrm>
-              <a:off x="37895896" y="28475560"/>
-              <a:ext cx="3749388" cy="491756"/>
-            </a:xfrm>
-            <a:prstGeom prst="rect">
-              <a:avLst/>
-            </a:prstGeom>
-            <a:noFill/>
-          </p:spPr>
-          <p:txBody>
-            <a:bodyPr wrap="square" rtlCol="0">
-              <a:spAutoFit/>
-            </a:bodyPr>
-            <a:lstStyle/>
-            <a:p>
-              <a:pPr algn="ctr"/>
-              <a:r>
-                <a:rPr lang="en-US" altLang="ja-JP" sz="3200" dirty="0">
-                  <a:latin typeface="Times New Roman" panose="02020603050405020304" pitchFamily="18" charset="0"/>
-                  <a:ea typeface="Cambria" panose="02040503050406030204" pitchFamily="18" charset="0"/>
-                  <a:cs typeface="Times New Roman" panose="02020603050405020304" pitchFamily="18" charset="0"/>
-                </a:rPr>
-                <a:t>Motion image</a:t>
-              </a:r>
-            </a:p>
-          </p:txBody>
-        </p:sp>
-        <p:sp>
-          <p:nvSpPr>
-            <p:cNvPr id="168" name="フローチャート: 代替処理 167">
-              <a:extLst>
-                <a:ext uri="{FF2B5EF4-FFF2-40B4-BE49-F238E27FC236}">
-                  <a16:creationId xmlns:a16="http://schemas.microsoft.com/office/drawing/2014/main" id="{9631A518-0FED-45E9-BF8F-735DD93A08BB}"/>
-                </a:ext>
-              </a:extLst>
-            </p:cNvPr>
-            <p:cNvSpPr/>
-            <p:nvPr/>
-          </p:nvSpPr>
-          <p:spPr>
-            <a:xfrm>
-              <a:off x="27992784" y="25684160"/>
-              <a:ext cx="13837798" cy="3645911"/>
-            </a:xfrm>
-            <a:prstGeom prst="flowChartAlternateProcess">
-              <a:avLst/>
-            </a:prstGeom>
-            <a:noFill/>
-            <a:ln>
-              <a:solidFill>
-                <a:srgbClr val="00B050"/>
-              </a:solidFill>
-            </a:ln>
-          </p:spPr>
-          <p:style>
-            <a:lnRef idx="2">
-              <a:schemeClr val="accent6"/>
-            </a:lnRef>
-            <a:fillRef idx="1">
-              <a:schemeClr val="lt1"/>
-            </a:fillRef>
-            <a:effectRef idx="0">
-              <a:schemeClr val="accent6"/>
-            </a:effectRef>
-            <a:fontRef idx="minor">
-              <a:schemeClr val="dk1"/>
-            </a:fontRef>
-          </p:style>
-          <p:txBody>
-            <a:bodyPr anchor="ctr"/>
-            <a:lstStyle/>
-            <a:p>
-              <a:pPr algn="ctr">
-                <a:defRPr/>
-              </a:pPr>
-              <a:endParaRPr lang="ja-JP" altLang="en-US" sz="3200">
-                <a:latin typeface="Times New Roman" panose="02020603050405020304" pitchFamily="18" charset="0"/>
-                <a:cs typeface="Times New Roman" panose="02020603050405020304" pitchFamily="18" charset="0"/>
-              </a:endParaRPr>
-            </a:p>
-          </p:txBody>
-        </p:sp>
-        <p:sp>
-          <p:nvSpPr>
-            <p:cNvPr id="169" name="テキスト ボックス 168">
-              <a:extLst>
-                <a:ext uri="{FF2B5EF4-FFF2-40B4-BE49-F238E27FC236}">
-                  <a16:creationId xmlns:a16="http://schemas.microsoft.com/office/drawing/2014/main" id="{8626417E-C8C7-4E45-AA0E-30EA6C889CEA}"/>
-                </a:ext>
-              </a:extLst>
-            </p:cNvPr>
-            <p:cNvSpPr txBox="1"/>
-            <p:nvPr/>
-          </p:nvSpPr>
-          <p:spPr>
-            <a:xfrm>
-              <a:off x="35631144" y="25318791"/>
-              <a:ext cx="4379506" cy="491756"/>
-            </a:xfrm>
-            <a:prstGeom prst="rect">
-              <a:avLst/>
-            </a:prstGeom>
-            <a:solidFill>
-              <a:schemeClr val="bg1"/>
-            </a:solidFill>
-          </p:spPr>
-          <p:txBody>
-            <a:bodyPr wrap="square" rtlCol="0">
-              <a:spAutoFit/>
-            </a:bodyPr>
-            <a:lstStyle/>
-            <a:p>
-              <a:pPr algn="ctr"/>
-              <a:r>
-                <a:rPr lang="en-US" altLang="ja-JP" sz="3200" dirty="0">
-                  <a:latin typeface="Times New Roman" panose="02020603050405020304" pitchFamily="18" charset="0"/>
-                  <a:ea typeface="Cambria" panose="02040503050406030204" pitchFamily="18" charset="0"/>
-                  <a:cs typeface="Times New Roman" panose="02020603050405020304" pitchFamily="18" charset="0"/>
-                </a:rPr>
-                <a:t>Input &amp; Preprocessing</a:t>
-              </a:r>
-            </a:p>
-          </p:txBody>
-        </p:sp>
-        <p:sp>
-          <p:nvSpPr>
-            <p:cNvPr id="170" name="右矢印 15">
-              <a:extLst>
-                <a:ext uri="{FF2B5EF4-FFF2-40B4-BE49-F238E27FC236}">
-                  <a16:creationId xmlns:a16="http://schemas.microsoft.com/office/drawing/2014/main" id="{C86E26B4-BFC4-48A2-B052-5D00E2170129}"/>
-                </a:ext>
-              </a:extLst>
-            </p:cNvPr>
-            <p:cNvSpPr/>
-            <p:nvPr/>
-          </p:nvSpPr>
-          <p:spPr>
-            <a:xfrm>
-              <a:off x="31951291" y="26717347"/>
-              <a:ext cx="1039864" cy="1152525"/>
-            </a:xfrm>
-            <a:prstGeom prst="rightArrow">
-              <a:avLst/>
-            </a:prstGeom>
-            <a:solidFill>
-              <a:srgbClr val="00B050"/>
-            </a:solidFill>
-            <a:ln>
-              <a:solidFill>
-                <a:srgbClr val="00B050"/>
-              </a:solidFill>
-            </a:ln>
-          </p:spPr>
-          <p:style>
-            <a:lnRef idx="2">
-              <a:schemeClr val="accent1">
-                <a:shade val="50000"/>
-              </a:schemeClr>
-            </a:lnRef>
-            <a:fillRef idx="1">
-              <a:schemeClr val="accent1"/>
-            </a:fillRef>
-            <a:effectRef idx="0">
-              <a:schemeClr val="accent1"/>
-            </a:effectRef>
-            <a:fontRef idx="minor">
-              <a:schemeClr val="lt1"/>
-            </a:fontRef>
-          </p:style>
-          <p:txBody>
-            <a:bodyPr anchor="ctr"/>
-            <a:lstStyle/>
-            <a:p>
-              <a:pPr algn="ctr">
-                <a:defRPr/>
-              </a:pPr>
-              <a:endParaRPr lang="ja-JP" altLang="en-US" sz="3200">
-                <a:latin typeface="Times New Roman" panose="02020603050405020304" pitchFamily="18" charset="0"/>
-                <a:cs typeface="Times New Roman" panose="02020603050405020304" pitchFamily="18" charset="0"/>
-              </a:endParaRPr>
-            </a:p>
-          </p:txBody>
-        </p:sp>
-        <p:sp>
-          <p:nvSpPr>
-            <p:cNvPr id="171" name="右矢印 15">
-              <a:extLst>
-                <a:ext uri="{FF2B5EF4-FFF2-40B4-BE49-F238E27FC236}">
-                  <a16:creationId xmlns:a16="http://schemas.microsoft.com/office/drawing/2014/main" id="{F0A9D442-C591-41FD-AF78-1C72D067FBD9}"/>
-                </a:ext>
-              </a:extLst>
-            </p:cNvPr>
-            <p:cNvSpPr/>
-            <p:nvPr/>
-          </p:nvSpPr>
-          <p:spPr>
-            <a:xfrm>
-              <a:off x="36794046" y="26719863"/>
-              <a:ext cx="1039864" cy="1152525"/>
-            </a:xfrm>
-            <a:prstGeom prst="rightArrow">
-              <a:avLst/>
-            </a:prstGeom>
-            <a:solidFill>
-              <a:srgbClr val="00B050"/>
-            </a:solidFill>
-            <a:ln>
-              <a:solidFill>
-                <a:srgbClr val="00B050"/>
-              </a:solidFill>
-            </a:ln>
-          </p:spPr>
-          <p:style>
-            <a:lnRef idx="2">
-              <a:schemeClr val="accent1">
-                <a:shade val="50000"/>
-              </a:schemeClr>
-            </a:lnRef>
-            <a:fillRef idx="1">
-              <a:schemeClr val="accent1"/>
-            </a:fillRef>
-            <a:effectRef idx="0">
-              <a:schemeClr val="accent1"/>
-            </a:effectRef>
-            <a:fontRef idx="minor">
-              <a:schemeClr val="lt1"/>
-            </a:fontRef>
-          </p:style>
-          <p:txBody>
-            <a:bodyPr anchor="ctr"/>
-            <a:lstStyle/>
-            <a:p>
-              <a:pPr algn="ctr">
-                <a:defRPr/>
-              </a:pPr>
-              <a:endParaRPr lang="ja-JP" altLang="en-US" sz="3200">
-                <a:latin typeface="Times New Roman" panose="02020603050405020304" pitchFamily="18" charset="0"/>
-                <a:cs typeface="Times New Roman" panose="02020603050405020304" pitchFamily="18" charset="0"/>
-              </a:endParaRPr>
-            </a:p>
-          </p:txBody>
-        </p:sp>
-      </p:grpSp>
       <p:sp>
         <p:nvSpPr>
           <p:cNvPr id="181" name="四角形: 角を丸くする 180">
@@ -11372,7 +10597,7 @@
           <p:nvPr/>
         </p:nvPicPr>
         <p:blipFill>
-          <a:blip r:embed="rId8">
+          <a:blip r:embed="rId3">
             <a:extLst>
               <a:ext uri="{28A0092B-C50C-407E-A947-70E740481C1C}">
                 <a14:useLocalDpi xmlns:a14="http://schemas.microsoft.com/office/drawing/2010/main" val="0"/>
@@ -11408,7 +10633,7 @@
           <p:nvPr/>
         </p:nvPicPr>
         <p:blipFill>
-          <a:blip r:embed="rId9">
+          <a:blip r:embed="rId4">
             <a:extLst>
               <a:ext uri="{28A0092B-C50C-407E-A947-70E740481C1C}">
                 <a14:useLocalDpi xmlns:a14="http://schemas.microsoft.com/office/drawing/2010/main" val="0"/>
@@ -11444,7 +10669,7 @@
           <p:nvPr/>
         </p:nvPicPr>
         <p:blipFill>
-          <a:blip r:embed="rId10">
+          <a:blip r:embed="rId5">
             <a:extLst>
               <a:ext uri="{28A0092B-C50C-407E-A947-70E740481C1C}">
                 <a14:useLocalDpi xmlns:a14="http://schemas.microsoft.com/office/drawing/2010/main" val="0"/>
@@ -11552,7 +10777,7 @@
             <p:nvPr/>
           </p:nvPicPr>
           <p:blipFill>
-            <a:blip r:embed="rId11">
+            <a:blip r:embed="rId6">
               <a:extLst>
                 <a:ext uri="{28A0092B-C50C-407E-A947-70E740481C1C}">
                   <a14:useLocalDpi xmlns:a14="http://schemas.microsoft.com/office/drawing/2010/main" val="0"/>
@@ -11581,10 +10806,10 @@
       </p:grpSp>
       <p:pic>
         <p:nvPicPr>
-          <p:cNvPr id="187" name="그림 186">
+          <p:cNvPr id="3" name="그림 2">
             <a:extLst>
               <a:ext uri="{FF2B5EF4-FFF2-40B4-BE49-F238E27FC236}">
-                <a16:creationId xmlns:a16="http://schemas.microsoft.com/office/drawing/2014/main" id="{59410716-6655-420A-BA93-53A4DE802549}"/>
+                <a16:creationId xmlns:a16="http://schemas.microsoft.com/office/drawing/2014/main" id="{E006BB81-0316-41CE-AAFD-9F2E507D66A4}"/>
               </a:ext>
             </a:extLst>
           </p:cNvPr>
@@ -11594,7 +10819,7 @@
           <p:nvPr/>
         </p:nvPicPr>
         <p:blipFill>
-          <a:blip r:embed="rId9">
+          <a:blip r:embed="rId7">
             <a:extLst>
               <a:ext uri="{28A0092B-C50C-407E-A947-70E740481C1C}">
                 <a14:useLocalDpi xmlns:a14="http://schemas.microsoft.com/office/drawing/2010/main" val="0"/>
@@ -11607,8 +10832,8 @@
         </p:blipFill>
         <p:spPr>
           <a:xfrm>
-            <a:off x="41071800" y="14576879"/>
-            <a:ext cx="8430858" cy="4169906"/>
+            <a:off x="41705672" y="14401800"/>
+            <a:ext cx="7796986" cy="4384323"/>
           </a:xfrm>
           <a:prstGeom prst="rect">
             <a:avLst/>
